--- a/20230605_RPC/020_RemoteProcedureCall.pptx
+++ b/20230605_RPC/020_RemoteProcedureCall.pptx
@@ -259,7 +259,7 @@
           <a:p>
             <a:fld id="{7A6CA03A-430C-4F30-8B65-D4FC56319739}" type="datetimeFigureOut">
               <a:rPr kumimoji="1" lang="ja-JP" altLang="en-US" smtClean="0"/>
-              <a:t>2023/6/4</a:t>
+              <a:t>2023/6/8</a:t>
             </a:fld>
             <a:endParaRPr kumimoji="1" lang="ja-JP" altLang="en-US"/>
           </a:p>
@@ -489,7 +489,7 @@
           <a:p>
             <a:fld id="{7A6CA03A-430C-4F30-8B65-D4FC56319739}" type="datetimeFigureOut">
               <a:rPr kumimoji="1" lang="ja-JP" altLang="en-US" smtClean="0"/>
-              <a:t>2023/6/4</a:t>
+              <a:t>2023/6/8</a:t>
             </a:fld>
             <a:endParaRPr kumimoji="1" lang="ja-JP" altLang="en-US"/>
           </a:p>
@@ -729,7 +729,7 @@
           <a:p>
             <a:fld id="{7A6CA03A-430C-4F30-8B65-D4FC56319739}" type="datetimeFigureOut">
               <a:rPr kumimoji="1" lang="ja-JP" altLang="en-US" smtClean="0"/>
-              <a:t>2023/6/4</a:t>
+              <a:t>2023/6/8</a:t>
             </a:fld>
             <a:endParaRPr kumimoji="1" lang="ja-JP" altLang="en-US"/>
           </a:p>
@@ -959,7 +959,7 @@
           <a:p>
             <a:fld id="{7A6CA03A-430C-4F30-8B65-D4FC56319739}" type="datetimeFigureOut">
               <a:rPr kumimoji="1" lang="ja-JP" altLang="en-US" smtClean="0"/>
-              <a:t>2023/6/4</a:t>
+              <a:t>2023/6/8</a:t>
             </a:fld>
             <a:endParaRPr kumimoji="1" lang="ja-JP" altLang="en-US"/>
           </a:p>
@@ -1234,7 +1234,7 @@
           <a:p>
             <a:fld id="{7A6CA03A-430C-4F30-8B65-D4FC56319739}" type="datetimeFigureOut">
               <a:rPr kumimoji="1" lang="ja-JP" altLang="en-US" smtClean="0"/>
-              <a:t>2023/6/4</a:t>
+              <a:t>2023/6/8</a:t>
             </a:fld>
             <a:endParaRPr kumimoji="1" lang="ja-JP" altLang="en-US"/>
           </a:p>
@@ -1563,7 +1563,7 @@
           <a:p>
             <a:fld id="{7A6CA03A-430C-4F30-8B65-D4FC56319739}" type="datetimeFigureOut">
               <a:rPr kumimoji="1" lang="ja-JP" altLang="en-US" smtClean="0"/>
-              <a:t>2023/6/4</a:t>
+              <a:t>2023/6/8</a:t>
             </a:fld>
             <a:endParaRPr kumimoji="1" lang="ja-JP" altLang="en-US"/>
           </a:p>
@@ -2039,7 +2039,7 @@
           <a:p>
             <a:fld id="{7A6CA03A-430C-4F30-8B65-D4FC56319739}" type="datetimeFigureOut">
               <a:rPr kumimoji="1" lang="ja-JP" altLang="en-US" smtClean="0"/>
-              <a:t>2023/6/4</a:t>
+              <a:t>2023/6/8</a:t>
             </a:fld>
             <a:endParaRPr kumimoji="1" lang="ja-JP" altLang="en-US"/>
           </a:p>
@@ -2180,7 +2180,7 @@
           <a:p>
             <a:fld id="{7A6CA03A-430C-4F30-8B65-D4FC56319739}" type="datetimeFigureOut">
               <a:rPr kumimoji="1" lang="ja-JP" altLang="en-US" smtClean="0"/>
-              <a:t>2023/6/4</a:t>
+              <a:t>2023/6/8</a:t>
             </a:fld>
             <a:endParaRPr kumimoji="1" lang="ja-JP" altLang="en-US"/>
           </a:p>
@@ -2293,7 +2293,7 @@
           <a:p>
             <a:fld id="{7A6CA03A-430C-4F30-8B65-D4FC56319739}" type="datetimeFigureOut">
               <a:rPr kumimoji="1" lang="ja-JP" altLang="en-US" smtClean="0"/>
-              <a:t>2023/6/4</a:t>
+              <a:t>2023/6/8</a:t>
             </a:fld>
             <a:endParaRPr kumimoji="1" lang="ja-JP" altLang="en-US"/>
           </a:p>
@@ -2636,7 +2636,7 @@
           <a:p>
             <a:fld id="{7A6CA03A-430C-4F30-8B65-D4FC56319739}" type="datetimeFigureOut">
               <a:rPr kumimoji="1" lang="ja-JP" altLang="en-US" smtClean="0"/>
-              <a:t>2023/6/4</a:t>
+              <a:t>2023/6/8</a:t>
             </a:fld>
             <a:endParaRPr kumimoji="1" lang="ja-JP" altLang="en-US"/>
           </a:p>
@@ -2924,7 +2924,7 @@
           <a:p>
             <a:fld id="{7A6CA03A-430C-4F30-8B65-D4FC56319739}" type="datetimeFigureOut">
               <a:rPr kumimoji="1" lang="ja-JP" altLang="en-US" smtClean="0"/>
-              <a:t>2023/6/4</a:t>
+              <a:t>2023/6/8</a:t>
             </a:fld>
             <a:endParaRPr kumimoji="1" lang="ja-JP" altLang="en-US"/>
           </a:p>
@@ -3197,7 +3197,7 @@
           <a:p>
             <a:fld id="{7A6CA03A-430C-4F30-8B65-D4FC56319739}" type="datetimeFigureOut">
               <a:rPr kumimoji="1" lang="ja-JP" altLang="en-US" smtClean="0"/>
-              <a:t>2023/6/4</a:t>
+              <a:t>2023/6/8</a:t>
             </a:fld>
             <a:endParaRPr kumimoji="1" lang="ja-JP" altLang="en-US"/>
           </a:p>
@@ -3794,8 +3794,8 @@
         </p:nvSpPr>
         <p:spPr>
           <a:xfrm>
-            <a:off x="562131" y="2461796"/>
-            <a:ext cx="1728000" cy="360000"/>
+            <a:off x="562131" y="2404646"/>
+            <a:ext cx="1800000" cy="396000"/>
           </a:xfrm>
           <a:prstGeom prst="roundRect">
             <a:avLst/>
@@ -3847,12 +3847,20 @@
           <a:p>
             <a:pPr algn="ctr"/>
             <a:r>
+              <a:rPr kumimoji="1" lang="ja-JP" altLang="en-US" sz="1000">
+                <a:solidFill>
+                  <a:schemeClr val="bg1"/>
+                </a:solidFill>
+              </a:rPr>
+              <a:t>プログラム内</a:t>
+            </a:r>
+            <a:r>
               <a:rPr kumimoji="1" lang="ja-JP" altLang="en-US" sz="1000" dirty="0">
                 <a:solidFill>
                   <a:schemeClr val="bg1"/>
                 </a:solidFill>
               </a:rPr>
-              <a:t>コンピュータ内で完結</a:t>
+              <a:t>で完結</a:t>
             </a:r>
           </a:p>
         </p:txBody>
@@ -3871,8 +3879,8 @@
         </p:nvSpPr>
         <p:spPr>
           <a:xfrm>
-            <a:off x="4162740" y="2461796"/>
-            <a:ext cx="1728000" cy="360000"/>
+            <a:off x="3957437" y="2404646"/>
+            <a:ext cx="1800000" cy="396000"/>
           </a:xfrm>
           <a:prstGeom prst="roundRect">
             <a:avLst/>
@@ -3908,17 +3916,22 @@
           <a:p>
             <a:pPr algn="ctr"/>
             <a:r>
-              <a:rPr kumimoji="1" lang="ja-JP" altLang="en-US" sz="1000" dirty="0"/>
+              <a:rPr kumimoji="1" lang="ja-JP" altLang="en-US" sz="1000"/>
               <a:t>ローカルから</a:t>
             </a:r>
-            <a:endParaRPr kumimoji="1" lang="en-US" altLang="ja-JP" sz="1000" dirty="0"/>
+            <a:endParaRPr kumimoji="1" lang="en-US" altLang="ja-JP" sz="1000"/>
           </a:p>
           <a:p>
             <a:pPr algn="ctr"/>
             <a:r>
-              <a:rPr kumimoji="1" lang="ja-JP" altLang="en-US" sz="1000" dirty="0"/>
-              <a:t>リモートの関数を呼び出し</a:t>
-            </a:r>
+              <a:rPr lang="ja-JP" altLang="en-US" sz="1000"/>
+              <a:t>リモートの</a:t>
+            </a:r>
+            <a:r>
+              <a:rPr kumimoji="1" lang="ja-JP" altLang="en-US" sz="1000"/>
+              <a:t>関数を呼び出し</a:t>
+            </a:r>
+            <a:endParaRPr kumimoji="1" lang="ja-JP" altLang="en-US" sz="1000" dirty="0"/>
           </a:p>
         </p:txBody>
       </p:sp>
@@ -3941,8 +3954,8 @@
           </a:xfrm>
           <a:prstGeom prst="wedgeRoundRectCallout">
             <a:avLst>
-              <a:gd name="adj1" fmla="val -75412"/>
-              <a:gd name="adj2" fmla="val 8490"/>
+              <a:gd name="adj1" fmla="val -67064"/>
+              <a:gd name="adj2" fmla="val 39959"/>
               <a:gd name="adj3" fmla="val 16667"/>
             </a:avLst>
           </a:prstGeom>
@@ -4017,7 +4030,7 @@
           <a:prstGeom prst="wedgeRoundRectCallout">
             <a:avLst>
               <a:gd name="adj1" fmla="val -74142"/>
-              <a:gd name="adj2" fmla="val -11521"/>
+              <a:gd name="adj2" fmla="val -39493"/>
               <a:gd name="adj3" fmla="val 16667"/>
             </a:avLst>
           </a:prstGeom>
@@ -4528,7 +4541,7 @@
         </p:nvSpPr>
         <p:spPr>
           <a:xfrm>
-            <a:off x="3114324" y="3057628"/>
+            <a:off x="3114324" y="2895703"/>
             <a:ext cx="3376245" cy="215444"/>
           </a:xfrm>
           <a:prstGeom prst="rect">
@@ -4759,8 +4772,8 @@
           </a:xfrm>
           <a:prstGeom prst="wedgeRoundRectCallout">
             <a:avLst>
-              <a:gd name="adj1" fmla="val 64119"/>
-              <a:gd name="adj2" fmla="val 15855"/>
+              <a:gd name="adj1" fmla="val 60541"/>
+              <a:gd name="adj2" fmla="val 22848"/>
               <a:gd name="adj3" fmla="val 16667"/>
             </a:avLst>
           </a:prstGeom>
